--- a/Unidad01/PracticaDirigida/PracticaDirigida.pptx
+++ b/Unidad01/PracticaDirigida/PracticaDirigida.pptx
@@ -1,6 +1,6 @@
 
 <file path=ppt/presentation.xml><?xml version="1.0" encoding="utf-8"?>
-<p:presentation xmlns:a="http://schemas.openxmlformats.org/drawingml/2006/main" xmlns:r="http://schemas.openxmlformats.org/officeDocument/2006/relationships" xmlns:p="http://schemas.openxmlformats.org/presentationml/2006/main" saveSubsetFonts="1">
+<p:presentation xmlns:a="http://schemas.openxmlformats.org/drawingml/2006/main" xmlns:r="http://schemas.openxmlformats.org/officeDocument/2006/relationships" xmlns:p="http://schemas.openxmlformats.org/presentationml/2006/main" embedTrueTypeFonts="1" saveSubsetFonts="1">
   <p:sldMasterIdLst>
     <p:sldMasterId id="2147483648" r:id="rId1"/>
   </p:sldMasterIdLst>
@@ -12,8 +12,36 @@
   </p:sldIdLst>
   <p:sldSz cx="12192000" cy="6858000"/>
   <p:notesSz cx="6858000" cy="9144000"/>
+  <p:embeddedFontLst>
+    <p:embeddedFont>
+      <p:font typeface="Bahnschrift" panose="020B0502040204020203" pitchFamily="34" charset="0"/>
+      <p:regular r:id="rId6"/>
+      <p:bold r:id="rId7"/>
+    </p:embeddedFont>
+    <p:embeddedFont>
+      <p:font typeface="Barlow Condensed Medium" panose="00000606000000000000" pitchFamily="2" charset="0"/>
+      <p:regular r:id="rId8"/>
+      <p:italic r:id="rId9"/>
+    </p:embeddedFont>
+    <p:embeddedFont>
+      <p:font typeface="Calibri" panose="020F0502020204030204" pitchFamily="34" charset="0"/>
+      <p:regular r:id="rId10"/>
+      <p:bold r:id="rId11"/>
+      <p:italic r:id="rId12"/>
+      <p:boldItalic r:id="rId13"/>
+    </p:embeddedFont>
+    <p:embeddedFont>
+      <p:font typeface="Fjalla One" panose="02000506040000020004" pitchFamily="2" charset="0"/>
+      <p:regular r:id="rId14"/>
+    </p:embeddedFont>
+    <p:embeddedFont>
+      <p:font typeface="Raleway Medium" pitchFamily="2" charset="0"/>
+      <p:regular r:id="rId15"/>
+      <p:italic r:id="rId16"/>
+    </p:embeddedFont>
+  </p:embeddedFontLst>
   <p:custDataLst>
-    <p:tags r:id="rId6"/>
+    <p:tags r:id="rId17"/>
   </p:custDataLst>
   <p:defaultTextStyle>
     <a:defPPr>
@@ -183,8 +211,8 @@
               <a:spcAft>
                 <a:spcPts val="300"/>
               </a:spcAft>
-              <a:defRPr sz="4800" b="1">
-                <a:latin typeface="Bahnschrift" panose="020B0502040204020203" pitchFamily="34" charset="0"/>
+              <a:defRPr sz="4800" b="0">
+                <a:latin typeface="Fjalla One" panose="02000506040000020004" pitchFamily="2" charset="0"/>
                 <a:cs typeface="Arial" panose="020B0604020202020204" pitchFamily="34" charset="0"/>
               </a:defRPr>
             </a:lvl1pPr>
@@ -227,7 +255,7 @@
           <a:lstStyle>
             <a:lvl1pPr marL="0" indent="0" algn="ctr">
               <a:buNone/>
-              <a:defRPr sz="2800" b="1">
+              <a:defRPr sz="2800" b="0">
                 <a:solidFill>
                   <a:schemeClr val="accent5">
                     <a:lumMod val="20000"/>
@@ -447,23 +475,23 @@
           <a:p>
             <a:pPr algn="ctr"/>
             <a:r>
-              <a:rPr lang="es-MX" sz="7200" dirty="0">
+              <a:rPr lang="es-MX" sz="8000" dirty="0">
                 <a:solidFill>
                   <a:schemeClr val="tx2">
                     <a:lumMod val="75000"/>
                   </a:schemeClr>
                 </a:solidFill>
-                <a:latin typeface="Clarendon" pitchFamily="2" charset="0"/>
+                <a:latin typeface="Fjalla One" panose="02000506040000020004" pitchFamily="2" charset="0"/>
               </a:rPr>
               <a:t>Gracias</a:t>
             </a:r>
-            <a:endParaRPr lang="es-PE" sz="7200" dirty="0">
+            <a:endParaRPr lang="es-PE" sz="8000" dirty="0">
               <a:solidFill>
                 <a:schemeClr val="tx2">
                   <a:lumMod val="75000"/>
                 </a:schemeClr>
               </a:solidFill>
-              <a:latin typeface="Clarendon" pitchFamily="2" charset="0"/>
+              <a:latin typeface="Fjalla One" panose="02000506040000020004" pitchFamily="2" charset="0"/>
             </a:endParaRPr>
           </a:p>
         </p:txBody>
@@ -2009,8 +2037,8 @@
               <a:buNone/>
             </a:pPr>
             <a:r>
-              <a:rPr lang="es-MX" sz="2400" dirty="0"/>
-              <a:t>Enunciado</a:t>
+              <a:rPr lang="es-MX" sz="2400"/>
+              <a:t>Enunciado </a:t>
             </a:r>
             <a:endParaRPr lang="es-PE" sz="2400" dirty="0"/>
           </a:p>

--- a/Unidad01/PracticaDirigida/PracticaDirigida.pptx
+++ b/Unidad01/PracticaDirigida/PracticaDirigida.pptx
@@ -7,41 +7,43 @@
   <p:sldIdLst>
     <p:sldId id="626" r:id="rId2"/>
     <p:sldId id="260" r:id="rId3"/>
-    <p:sldId id="627" r:id="rId4"/>
-    <p:sldId id="259" r:id="rId5"/>
+    <p:sldId id="628" r:id="rId4"/>
+    <p:sldId id="629" r:id="rId5"/>
+    <p:sldId id="627" r:id="rId6"/>
+    <p:sldId id="259" r:id="rId7"/>
   </p:sldIdLst>
   <p:sldSz cx="12192000" cy="6858000"/>
   <p:notesSz cx="6858000" cy="9144000"/>
   <p:embeddedFontLst>
     <p:embeddedFont>
       <p:font typeface="Bahnschrift" panose="020B0502040204020203" pitchFamily="34" charset="0"/>
-      <p:regular r:id="rId6"/>
-      <p:bold r:id="rId7"/>
+      <p:regular r:id="rId8"/>
+      <p:bold r:id="rId9"/>
     </p:embeddedFont>
     <p:embeddedFont>
       <p:font typeface="Barlow Condensed Medium" panose="00000606000000000000" pitchFamily="2" charset="0"/>
-      <p:regular r:id="rId8"/>
-      <p:italic r:id="rId9"/>
+      <p:regular r:id="rId10"/>
+      <p:italic r:id="rId11"/>
     </p:embeddedFont>
     <p:embeddedFont>
       <p:font typeface="Calibri" panose="020F0502020204030204" pitchFamily="34" charset="0"/>
-      <p:regular r:id="rId10"/>
-      <p:bold r:id="rId11"/>
-      <p:italic r:id="rId12"/>
-      <p:boldItalic r:id="rId13"/>
+      <p:regular r:id="rId12"/>
+      <p:bold r:id="rId13"/>
+      <p:italic r:id="rId14"/>
+      <p:boldItalic r:id="rId15"/>
     </p:embeddedFont>
     <p:embeddedFont>
       <p:font typeface="Fjalla One" panose="02000506040000020004" pitchFamily="2" charset="0"/>
-      <p:regular r:id="rId14"/>
+      <p:regular r:id="rId16"/>
     </p:embeddedFont>
     <p:embeddedFont>
       <p:font typeface="Raleway Medium" pitchFamily="2" charset="0"/>
-      <p:regular r:id="rId15"/>
-      <p:italic r:id="rId16"/>
+      <p:regular r:id="rId17"/>
+      <p:italic r:id="rId18"/>
     </p:embeddedFont>
   </p:embeddedFontLst>
   <p:custDataLst>
-    <p:tags r:id="rId17"/>
+    <p:tags r:id="rId19"/>
   </p:custDataLst>
   <p:defaultTextStyle>
     <a:defPPr>
@@ -2024,7 +2026,7 @@
         <p:spPr>
           <a:xfrm>
             <a:off x="1080654" y="1533958"/>
-            <a:ext cx="7045325" cy="4549775"/>
+            <a:ext cx="5560291" cy="4549775"/>
           </a:xfrm>
         </p:spPr>
         <p:txBody>
@@ -2037,8 +2039,8 @@
               <a:buNone/>
             </a:pPr>
             <a:r>
-              <a:rPr lang="es-MX" sz="2400"/>
-              <a:t>Enunciado </a:t>
+              <a:rPr lang="es-MX" sz="2400" dirty="0"/>
+              <a:t>Revisar el enunciado en el PDF.</a:t>
             </a:r>
             <a:endParaRPr lang="es-PE" sz="2400" dirty="0"/>
           </a:p>
@@ -2074,6 +2076,564 @@
           <a:chExt cx="0" cy="0"/>
         </a:xfrm>
       </p:grpSpPr>
+      <p:sp>
+        <p:nvSpPr>
+          <p:cNvPr id="2" name="Título 1"/>
+          <p:cNvSpPr>
+            <a:spLocks noGrp="1"/>
+          </p:cNvSpPr>
+          <p:nvPr>
+            <p:ph type="title"/>
+          </p:nvPr>
+        </p:nvSpPr>
+        <p:spPr/>
+        <p:txBody>
+          <a:bodyPr/>
+          <a:lstStyle/>
+          <a:p>
+            <a:r>
+              <a:rPr lang="es-PE" dirty="0"/>
+              <a:t>Borrador</a:t>
+            </a:r>
+          </a:p>
+        </p:txBody>
+      </p:sp>
+      <p:sp>
+        <p:nvSpPr>
+          <p:cNvPr id="3" name="Rectángulo 2">
+            <a:extLst>
+              <a:ext uri="{FF2B5EF4-FFF2-40B4-BE49-F238E27FC236}">
+                <a16:creationId xmlns:a16="http://schemas.microsoft.com/office/drawing/2014/main" id="{97C2746A-A27B-4EBA-AA78-886A013D8239}"/>
+              </a:ext>
+            </a:extLst>
+          </p:cNvPr>
+          <p:cNvSpPr/>
+          <p:nvPr/>
+        </p:nvSpPr>
+        <p:spPr>
+          <a:xfrm>
+            <a:off x="6918036" y="3241029"/>
+            <a:ext cx="1819564" cy="517237"/>
+          </a:xfrm>
+          <a:prstGeom prst="rect">
+            <a:avLst/>
+          </a:prstGeom>
+        </p:spPr>
+        <p:style>
+          <a:lnRef idx="2">
+            <a:schemeClr val="accent2">
+              <a:shade val="50000"/>
+            </a:schemeClr>
+          </a:lnRef>
+          <a:fillRef idx="1">
+            <a:schemeClr val="accent2"/>
+          </a:fillRef>
+          <a:effectRef idx="0">
+            <a:schemeClr val="accent2"/>
+          </a:effectRef>
+          <a:fontRef idx="minor">
+            <a:schemeClr val="lt1"/>
+          </a:fontRef>
+        </p:style>
+        <p:txBody>
+          <a:bodyPr rtlCol="0" anchor="ctr"/>
+          <a:lstStyle/>
+          <a:p>
+            <a:pPr algn="ctr"/>
+            <a:r>
+              <a:rPr lang="es-MX" i="1" dirty="0"/>
+              <a:t>Docente</a:t>
+            </a:r>
+            <a:endParaRPr lang="es-PE" i="1" dirty="0"/>
+          </a:p>
+        </p:txBody>
+      </p:sp>
+      <p:sp>
+        <p:nvSpPr>
+          <p:cNvPr id="5" name="Rectángulo 4">
+            <a:extLst>
+              <a:ext uri="{FF2B5EF4-FFF2-40B4-BE49-F238E27FC236}">
+                <a16:creationId xmlns:a16="http://schemas.microsoft.com/office/drawing/2014/main" id="{471CBFF2-1ACF-4E45-9A48-11F2A5FC961E}"/>
+              </a:ext>
+            </a:extLst>
+          </p:cNvPr>
+          <p:cNvSpPr/>
+          <p:nvPr/>
+        </p:nvSpPr>
+        <p:spPr>
+          <a:xfrm>
+            <a:off x="9647382" y="3241029"/>
+            <a:ext cx="1819564" cy="517237"/>
+          </a:xfrm>
+          <a:prstGeom prst="rect">
+            <a:avLst/>
+          </a:prstGeom>
+        </p:spPr>
+        <p:style>
+          <a:lnRef idx="2">
+            <a:schemeClr val="accent1">
+              <a:shade val="50000"/>
+            </a:schemeClr>
+          </a:lnRef>
+          <a:fillRef idx="1">
+            <a:schemeClr val="accent1"/>
+          </a:fillRef>
+          <a:effectRef idx="0">
+            <a:schemeClr val="accent1"/>
+          </a:effectRef>
+          <a:fontRef idx="minor">
+            <a:schemeClr val="lt1"/>
+          </a:fontRef>
+        </p:style>
+        <p:txBody>
+          <a:bodyPr rtlCol="0" anchor="ctr"/>
+          <a:lstStyle/>
+          <a:p>
+            <a:pPr algn="ctr"/>
+            <a:r>
+              <a:rPr lang="es-MX" dirty="0"/>
+              <a:t>Administrativo</a:t>
+            </a:r>
+            <a:endParaRPr lang="es-PE" dirty="0"/>
+          </a:p>
+        </p:txBody>
+      </p:sp>
+      <p:sp>
+        <p:nvSpPr>
+          <p:cNvPr id="6" name="Rectángulo 5">
+            <a:extLst>
+              <a:ext uri="{FF2B5EF4-FFF2-40B4-BE49-F238E27FC236}">
+                <a16:creationId xmlns:a16="http://schemas.microsoft.com/office/drawing/2014/main" id="{1F8723DE-C8D3-452A-A660-38DD2C1218C5}"/>
+              </a:ext>
+            </a:extLst>
+          </p:cNvPr>
+          <p:cNvSpPr/>
+          <p:nvPr/>
+        </p:nvSpPr>
+        <p:spPr>
+          <a:xfrm>
+            <a:off x="8317344" y="1701046"/>
+            <a:ext cx="1819564" cy="517237"/>
+          </a:xfrm>
+          <a:prstGeom prst="rect">
+            <a:avLst/>
+          </a:prstGeom>
+        </p:spPr>
+        <p:style>
+          <a:lnRef idx="2">
+            <a:schemeClr val="accent2">
+              <a:shade val="50000"/>
+            </a:schemeClr>
+          </a:lnRef>
+          <a:fillRef idx="1">
+            <a:schemeClr val="accent2"/>
+          </a:fillRef>
+          <a:effectRef idx="0">
+            <a:schemeClr val="accent2"/>
+          </a:effectRef>
+          <a:fontRef idx="minor">
+            <a:schemeClr val="lt1"/>
+          </a:fontRef>
+        </p:style>
+        <p:txBody>
+          <a:bodyPr rtlCol="0" anchor="ctr"/>
+          <a:lstStyle/>
+          <a:p>
+            <a:pPr algn="ctr"/>
+            <a:r>
+              <a:rPr lang="es-MX" i="1" dirty="0"/>
+              <a:t>Personal</a:t>
+            </a:r>
+            <a:endParaRPr lang="es-PE" i="1" dirty="0"/>
+          </a:p>
+        </p:txBody>
+      </p:sp>
+      <p:cxnSp>
+        <p:nvCxnSpPr>
+          <p:cNvPr id="7" name="Conector: angular 6">
+            <a:extLst>
+              <a:ext uri="{FF2B5EF4-FFF2-40B4-BE49-F238E27FC236}">
+                <a16:creationId xmlns:a16="http://schemas.microsoft.com/office/drawing/2014/main" id="{28A30A69-8F14-4D63-920A-433314B32066}"/>
+              </a:ext>
+            </a:extLst>
+          </p:cNvPr>
+          <p:cNvCxnSpPr>
+            <a:stCxn id="3" idx="0"/>
+            <a:endCxn id="6" idx="2"/>
+          </p:cNvCxnSpPr>
+          <p:nvPr/>
+        </p:nvCxnSpPr>
+        <p:spPr>
+          <a:xfrm rot="5400000" flipH="1" flipV="1">
+            <a:off x="8016099" y="2030002"/>
+            <a:ext cx="1022746" cy="1399308"/>
+          </a:xfrm>
+          <a:prstGeom prst="bentConnector3">
+            <a:avLst/>
+          </a:prstGeom>
+          <a:ln w="38100">
+            <a:tailEnd type="triangle"/>
+          </a:ln>
+        </p:spPr>
+        <p:style>
+          <a:lnRef idx="1">
+            <a:schemeClr val="accent1"/>
+          </a:lnRef>
+          <a:fillRef idx="0">
+            <a:schemeClr val="accent1"/>
+          </a:fillRef>
+          <a:effectRef idx="0">
+            <a:schemeClr val="accent1"/>
+          </a:effectRef>
+          <a:fontRef idx="minor">
+            <a:schemeClr val="tx1"/>
+          </a:fontRef>
+        </p:style>
+      </p:cxnSp>
+      <p:cxnSp>
+        <p:nvCxnSpPr>
+          <p:cNvPr id="12" name="Conector: angular 11">
+            <a:extLst>
+              <a:ext uri="{FF2B5EF4-FFF2-40B4-BE49-F238E27FC236}">
+                <a16:creationId xmlns:a16="http://schemas.microsoft.com/office/drawing/2014/main" id="{7F88E289-34B7-4359-ADF5-A8EF861A7993}"/>
+              </a:ext>
+            </a:extLst>
+          </p:cNvPr>
+          <p:cNvCxnSpPr>
+            <a:stCxn id="5" idx="0"/>
+            <a:endCxn id="6" idx="2"/>
+          </p:cNvCxnSpPr>
+          <p:nvPr/>
+        </p:nvCxnSpPr>
+        <p:spPr>
+          <a:xfrm rot="16200000" flipV="1">
+            <a:off x="9380772" y="2064637"/>
+            <a:ext cx="1022746" cy="1330038"/>
+          </a:xfrm>
+          <a:prstGeom prst="bentConnector3">
+            <a:avLst/>
+          </a:prstGeom>
+          <a:ln w="38100">
+            <a:tailEnd type="triangle"/>
+          </a:ln>
+        </p:spPr>
+        <p:style>
+          <a:lnRef idx="1">
+            <a:schemeClr val="accent1"/>
+          </a:lnRef>
+          <a:fillRef idx="0">
+            <a:schemeClr val="accent1"/>
+          </a:fillRef>
+          <a:effectRef idx="0">
+            <a:schemeClr val="accent1"/>
+          </a:effectRef>
+          <a:fontRef idx="minor">
+            <a:schemeClr val="tx1"/>
+          </a:fontRef>
+        </p:style>
+      </p:cxnSp>
+      <p:sp>
+        <p:nvSpPr>
+          <p:cNvPr id="13" name="Rectángulo 12">
+            <a:extLst>
+              <a:ext uri="{FF2B5EF4-FFF2-40B4-BE49-F238E27FC236}">
+                <a16:creationId xmlns:a16="http://schemas.microsoft.com/office/drawing/2014/main" id="{358F1EE6-C2CE-47DD-944A-0FE4FF0CAD22}"/>
+              </a:ext>
+            </a:extLst>
+          </p:cNvPr>
+          <p:cNvSpPr/>
+          <p:nvPr/>
+        </p:nvSpPr>
+        <p:spPr>
+          <a:xfrm>
+            <a:off x="4350327" y="4910051"/>
+            <a:ext cx="3057235" cy="517237"/>
+          </a:xfrm>
+          <a:prstGeom prst="rect">
+            <a:avLst/>
+          </a:prstGeom>
+        </p:spPr>
+        <p:style>
+          <a:lnRef idx="2">
+            <a:schemeClr val="accent1">
+              <a:shade val="50000"/>
+            </a:schemeClr>
+          </a:lnRef>
+          <a:fillRef idx="1">
+            <a:schemeClr val="accent1"/>
+          </a:fillRef>
+          <a:effectRef idx="0">
+            <a:schemeClr val="accent1"/>
+          </a:effectRef>
+          <a:fontRef idx="minor">
+            <a:schemeClr val="lt1"/>
+          </a:fontRef>
+        </p:style>
+        <p:txBody>
+          <a:bodyPr rtlCol="0" anchor="ctr"/>
+          <a:lstStyle/>
+          <a:p>
+            <a:pPr algn="ctr"/>
+            <a:r>
+              <a:rPr lang="es-MX" dirty="0" err="1"/>
+              <a:t>DocenteTiempoCompleto</a:t>
+            </a:r>
+            <a:endParaRPr lang="es-PE" dirty="0"/>
+          </a:p>
+        </p:txBody>
+      </p:sp>
+      <p:sp>
+        <p:nvSpPr>
+          <p:cNvPr id="14" name="Rectángulo 13">
+            <a:extLst>
+              <a:ext uri="{FF2B5EF4-FFF2-40B4-BE49-F238E27FC236}">
+                <a16:creationId xmlns:a16="http://schemas.microsoft.com/office/drawing/2014/main" id="{4648BA39-3472-43A3-B709-2BE85ED12AD4}"/>
+              </a:ext>
+            </a:extLst>
+          </p:cNvPr>
+          <p:cNvSpPr/>
+          <p:nvPr/>
+        </p:nvSpPr>
+        <p:spPr>
+          <a:xfrm>
+            <a:off x="8317344" y="4910051"/>
+            <a:ext cx="2923310" cy="517237"/>
+          </a:xfrm>
+          <a:prstGeom prst="rect">
+            <a:avLst/>
+          </a:prstGeom>
+        </p:spPr>
+        <p:style>
+          <a:lnRef idx="2">
+            <a:schemeClr val="accent1">
+              <a:shade val="50000"/>
+            </a:schemeClr>
+          </a:lnRef>
+          <a:fillRef idx="1">
+            <a:schemeClr val="accent1"/>
+          </a:fillRef>
+          <a:effectRef idx="0">
+            <a:schemeClr val="accent1"/>
+          </a:effectRef>
+          <a:fontRef idx="minor">
+            <a:schemeClr val="lt1"/>
+          </a:fontRef>
+        </p:style>
+        <p:txBody>
+          <a:bodyPr rtlCol="0" anchor="ctr"/>
+          <a:lstStyle/>
+          <a:p>
+            <a:pPr algn="ctr"/>
+            <a:r>
+              <a:rPr lang="es-MX" dirty="0" err="1"/>
+              <a:t>DocenteTiempoParcial</a:t>
+            </a:r>
+            <a:endParaRPr lang="es-PE" dirty="0"/>
+          </a:p>
+        </p:txBody>
+      </p:sp>
+      <p:cxnSp>
+        <p:nvCxnSpPr>
+          <p:cNvPr id="15" name="Conector: angular 14">
+            <a:extLst>
+              <a:ext uri="{FF2B5EF4-FFF2-40B4-BE49-F238E27FC236}">
+                <a16:creationId xmlns:a16="http://schemas.microsoft.com/office/drawing/2014/main" id="{50D45A50-A6C3-442E-9203-9A6CE08E11D5}"/>
+              </a:ext>
+            </a:extLst>
+          </p:cNvPr>
+          <p:cNvCxnSpPr>
+            <a:cxnSpLocks/>
+            <a:stCxn id="13" idx="0"/>
+            <a:endCxn id="3" idx="2"/>
+          </p:cNvCxnSpPr>
+          <p:nvPr/>
+        </p:nvCxnSpPr>
+        <p:spPr>
+          <a:xfrm rot="5400000" flipH="1" flipV="1">
+            <a:off x="6277489" y="3359723"/>
+            <a:ext cx="1151785" cy="1948873"/>
+          </a:xfrm>
+          <a:prstGeom prst="bentConnector3">
+            <a:avLst>
+              <a:gd name="adj1" fmla="val 50000"/>
+            </a:avLst>
+          </a:prstGeom>
+          <a:ln w="38100">
+            <a:tailEnd type="triangle"/>
+          </a:ln>
+        </p:spPr>
+        <p:style>
+          <a:lnRef idx="1">
+            <a:schemeClr val="accent1"/>
+          </a:lnRef>
+          <a:fillRef idx="0">
+            <a:schemeClr val="accent1"/>
+          </a:fillRef>
+          <a:effectRef idx="0">
+            <a:schemeClr val="accent1"/>
+          </a:effectRef>
+          <a:fontRef idx="minor">
+            <a:schemeClr val="tx1"/>
+          </a:fontRef>
+        </p:style>
+      </p:cxnSp>
+      <p:cxnSp>
+        <p:nvCxnSpPr>
+          <p:cNvPr id="16" name="Conector: angular 15">
+            <a:extLst>
+              <a:ext uri="{FF2B5EF4-FFF2-40B4-BE49-F238E27FC236}">
+                <a16:creationId xmlns:a16="http://schemas.microsoft.com/office/drawing/2014/main" id="{FB0A3E98-FA60-4DAF-B6A4-3A5BD51B1615}"/>
+              </a:ext>
+            </a:extLst>
+          </p:cNvPr>
+          <p:cNvCxnSpPr>
+            <a:cxnSpLocks/>
+            <a:stCxn id="14" idx="0"/>
+            <a:endCxn id="3" idx="2"/>
+          </p:cNvCxnSpPr>
+          <p:nvPr/>
+        </p:nvCxnSpPr>
+        <p:spPr>
+          <a:xfrm rot="16200000" flipV="1">
+            <a:off x="8227517" y="3358568"/>
+            <a:ext cx="1151785" cy="1951181"/>
+          </a:xfrm>
+          <a:prstGeom prst="bentConnector3">
+            <a:avLst>
+              <a:gd name="adj1" fmla="val 50000"/>
+            </a:avLst>
+          </a:prstGeom>
+          <a:ln w="38100">
+            <a:tailEnd type="triangle"/>
+          </a:ln>
+        </p:spPr>
+        <p:style>
+          <a:lnRef idx="1">
+            <a:schemeClr val="accent1"/>
+          </a:lnRef>
+          <a:fillRef idx="0">
+            <a:schemeClr val="accent1"/>
+          </a:fillRef>
+          <a:effectRef idx="0">
+            <a:schemeClr val="accent1"/>
+          </a:effectRef>
+          <a:fontRef idx="minor">
+            <a:schemeClr val="tx1"/>
+          </a:fontRef>
+        </p:style>
+      </p:cxnSp>
+    </p:spTree>
+    <p:extLst>
+      <p:ext uri="{BB962C8B-B14F-4D97-AF65-F5344CB8AC3E}">
+        <p14:creationId xmlns:p14="http://schemas.microsoft.com/office/powerpoint/2010/main" val="1596580358"/>
+      </p:ext>
+    </p:extLst>
+  </p:cSld>
+  <p:clrMapOvr>
+    <a:masterClrMapping/>
+  </p:clrMapOvr>
+</p:sld>
+</file>
+
+<file path=ppt/slides/slide4.xml><?xml version="1.0" encoding="utf-8"?>
+<p:sld xmlns:a="http://schemas.openxmlformats.org/drawingml/2006/main" xmlns:r="http://schemas.openxmlformats.org/officeDocument/2006/relationships" xmlns:p="http://schemas.openxmlformats.org/presentationml/2006/main">
+  <p:cSld>
+    <p:spTree>
+      <p:nvGrpSpPr>
+        <p:cNvPr id="1" name=""/>
+        <p:cNvGrpSpPr/>
+        <p:nvPr/>
+      </p:nvGrpSpPr>
+      <p:grpSpPr>
+        <a:xfrm>
+          <a:off x="0" y="0"/>
+          <a:ext cx="0" cy="0"/>
+          <a:chOff x="0" y="0"/>
+          <a:chExt cx="0" cy="0"/>
+        </a:xfrm>
+      </p:grpSpPr>
+      <p:sp>
+        <p:nvSpPr>
+          <p:cNvPr id="2" name="Título 1"/>
+          <p:cNvSpPr>
+            <a:spLocks noGrp="1"/>
+          </p:cNvSpPr>
+          <p:nvPr>
+            <p:ph type="title"/>
+          </p:nvPr>
+        </p:nvSpPr>
+        <p:spPr/>
+        <p:txBody>
+          <a:bodyPr/>
+          <a:lstStyle/>
+          <a:p>
+            <a:r>
+              <a:rPr lang="es-PE" dirty="0"/>
+              <a:t>Diagrama de Clases</a:t>
+            </a:r>
+          </a:p>
+        </p:txBody>
+      </p:sp>
+      <p:pic>
+        <p:nvPicPr>
+          <p:cNvPr id="8" name="Imagen 7">
+            <a:extLst>
+              <a:ext uri="{FF2B5EF4-FFF2-40B4-BE49-F238E27FC236}">
+                <a16:creationId xmlns:a16="http://schemas.microsoft.com/office/drawing/2014/main" id="{6804534B-4EEA-4AB9-B839-BB6584637CF5}"/>
+              </a:ext>
+            </a:extLst>
+          </p:cNvPr>
+          <p:cNvPicPr>
+            <a:picLocks noChangeAspect="1"/>
+          </p:cNvPicPr>
+          <p:nvPr/>
+        </p:nvPicPr>
+        <p:blipFill>
+          <a:blip r:embed="rId2"/>
+          <a:stretch>
+            <a:fillRect/>
+          </a:stretch>
+        </p:blipFill>
+        <p:spPr>
+          <a:xfrm>
+            <a:off x="3151164" y="1387011"/>
+            <a:ext cx="5591554" cy="5004000"/>
+          </a:xfrm>
+          <a:prstGeom prst="rect">
+            <a:avLst/>
+          </a:prstGeom>
+        </p:spPr>
+      </p:pic>
+    </p:spTree>
+    <p:extLst>
+      <p:ext uri="{BB962C8B-B14F-4D97-AF65-F5344CB8AC3E}">
+        <p14:creationId xmlns:p14="http://schemas.microsoft.com/office/powerpoint/2010/main" val="4220368795"/>
+      </p:ext>
+    </p:extLst>
+  </p:cSld>
+  <p:clrMapOvr>
+    <a:masterClrMapping/>
+  </p:clrMapOvr>
+</p:sld>
+</file>
+
+<file path=ppt/slides/slide5.xml><?xml version="1.0" encoding="utf-8"?>
+<p:sld xmlns:a="http://schemas.openxmlformats.org/drawingml/2006/main" xmlns:r="http://schemas.openxmlformats.org/officeDocument/2006/relationships" xmlns:p="http://schemas.openxmlformats.org/presentationml/2006/main">
+  <p:cSld>
+    <p:spTree>
+      <p:nvGrpSpPr>
+        <p:cNvPr id="1" name=""/>
+        <p:cNvGrpSpPr/>
+        <p:nvPr/>
+      </p:nvGrpSpPr>
+      <p:grpSpPr>
+        <a:xfrm>
+          <a:off x="0" y="0"/>
+          <a:ext cx="0" cy="0"/>
+          <a:chOff x="0" y="0"/>
+          <a:chExt cx="0" cy="0"/>
+        </a:xfrm>
+      </p:grpSpPr>
     </p:spTree>
     <p:extLst>
       <p:ext uri="{BB962C8B-B14F-4D97-AF65-F5344CB8AC3E}">
@@ -2087,7 +2647,7 @@
 </p:sld>
 </file>
 
-<file path=ppt/slides/slide4.xml><?xml version="1.0" encoding="utf-8"?>
+<file path=ppt/slides/slide6.xml><?xml version="1.0" encoding="utf-8"?>
 <p:sld xmlns:a="http://schemas.openxmlformats.org/drawingml/2006/main" xmlns:r="http://schemas.openxmlformats.org/officeDocument/2006/relationships" xmlns:p="http://schemas.openxmlformats.org/presentationml/2006/main">
   <p:cSld>
     <p:bg>
